--- a/Predicting Soccer Transfer Prices.pptx
+++ b/Predicting Soccer Transfer Prices.pptx
@@ -111,6 +111,11 @@
       </a:defRPr>
     </a:lvl9pPr>
   </p:defaultTextStyle>
+  <p:extLst>
+    <p:ext uri="{EFAFB233-063F-42B5-8137-9DF3F51BA10A}">
+      <p15:sldGuideLst xmlns:p15="http://schemas.microsoft.com/office/powerpoint/2012/main"/>
+    </p:ext>
+  </p:extLst>
 </p:presentation>
 </file>
 
@@ -300,7 +305,7 @@
           <a:p>
             <a:fld id="{B5B84825-D442-4355-AC7B-2B3A9BDF5F59}" type="datetimeFigureOut">
               <a:rPr lang="en-US" smtClean="0"/>
-              <a:t>10/9/2020</a:t>
+              <a:t>10/12/2020</a:t>
             </a:fld>
             <a:endParaRPr lang="en-US"/>
           </a:p>
@@ -575,7 +580,7 @@
           <a:p>
             <a:fld id="{B5B84825-D442-4355-AC7B-2B3A9BDF5F59}" type="datetimeFigureOut">
               <a:rPr lang="en-US" smtClean="0"/>
-              <a:t>10/9/2020</a:t>
+              <a:t>10/12/2020</a:t>
             </a:fld>
             <a:endParaRPr lang="en-US"/>
           </a:p>
@@ -769,7 +774,7 @@
           <a:p>
             <a:fld id="{B5B84825-D442-4355-AC7B-2B3A9BDF5F59}" type="datetimeFigureOut">
               <a:rPr lang="en-US" smtClean="0"/>
-              <a:t>10/9/2020</a:t>
+              <a:t>10/12/2020</a:t>
             </a:fld>
             <a:endParaRPr lang="en-US"/>
           </a:p>
@@ -1042,7 +1047,7 @@
           <a:p>
             <a:fld id="{B5B84825-D442-4355-AC7B-2B3A9BDF5F59}" type="datetimeFigureOut">
               <a:rPr lang="en-US" smtClean="0"/>
-              <a:t>10/9/2020</a:t>
+              <a:t>10/12/2020</a:t>
             </a:fld>
             <a:endParaRPr lang="en-US"/>
           </a:p>
@@ -1383,7 +1388,7 @@
           <a:p>
             <a:fld id="{B5B84825-D442-4355-AC7B-2B3A9BDF5F59}" type="datetimeFigureOut">
               <a:rPr lang="en-US" smtClean="0"/>
-              <a:t>10/9/2020</a:t>
+              <a:t>10/12/2020</a:t>
             </a:fld>
             <a:endParaRPr lang="en-US"/>
           </a:p>
@@ -2006,7 +2011,7 @@
           <a:p>
             <a:fld id="{B5B84825-D442-4355-AC7B-2B3A9BDF5F59}" type="datetimeFigureOut">
               <a:rPr lang="en-US" smtClean="0"/>
-              <a:t>10/9/2020</a:t>
+              <a:t>10/12/2020</a:t>
             </a:fld>
             <a:endParaRPr lang="en-US"/>
           </a:p>
@@ -2866,7 +2871,7 @@
           <a:p>
             <a:fld id="{B5B84825-D442-4355-AC7B-2B3A9BDF5F59}" type="datetimeFigureOut">
               <a:rPr lang="en-US" smtClean="0"/>
-              <a:t>10/9/2020</a:t>
+              <a:t>10/12/2020</a:t>
             </a:fld>
             <a:endParaRPr lang="en-US"/>
           </a:p>
@@ -3036,7 +3041,7 @@
           <a:p>
             <a:fld id="{B5B84825-D442-4355-AC7B-2B3A9BDF5F59}" type="datetimeFigureOut">
               <a:rPr lang="en-US" smtClean="0"/>
-              <a:t>10/9/2020</a:t>
+              <a:t>10/12/2020</a:t>
             </a:fld>
             <a:endParaRPr lang="en-US"/>
           </a:p>
@@ -3216,7 +3221,7 @@
           <a:p>
             <a:fld id="{B5B84825-D442-4355-AC7B-2B3A9BDF5F59}" type="datetimeFigureOut">
               <a:rPr lang="en-US" smtClean="0"/>
-              <a:t>10/9/2020</a:t>
+              <a:t>10/12/2020</a:t>
             </a:fld>
             <a:endParaRPr lang="en-US"/>
           </a:p>
@@ -3386,7 +3391,7 @@
           <a:p>
             <a:fld id="{B5B84825-D442-4355-AC7B-2B3A9BDF5F59}" type="datetimeFigureOut">
               <a:rPr lang="en-US" smtClean="0"/>
-              <a:t>10/9/2020</a:t>
+              <a:t>10/12/2020</a:t>
             </a:fld>
             <a:endParaRPr lang="en-US"/>
           </a:p>
@@ -3633,7 +3638,7 @@
           <a:p>
             <a:fld id="{B5B84825-D442-4355-AC7B-2B3A9BDF5F59}" type="datetimeFigureOut">
               <a:rPr lang="en-US" smtClean="0"/>
-              <a:t>10/9/2020</a:t>
+              <a:t>10/12/2020</a:t>
             </a:fld>
             <a:endParaRPr lang="en-US"/>
           </a:p>
@@ -3925,7 +3930,7 @@
           <a:p>
             <a:fld id="{B5B84825-D442-4355-AC7B-2B3A9BDF5F59}" type="datetimeFigureOut">
               <a:rPr lang="en-US" smtClean="0"/>
-              <a:t>10/9/2020</a:t>
+              <a:t>10/12/2020</a:t>
             </a:fld>
             <a:endParaRPr lang="en-US"/>
           </a:p>
@@ -4369,7 +4374,7 @@
           <a:p>
             <a:fld id="{B5B84825-D442-4355-AC7B-2B3A9BDF5F59}" type="datetimeFigureOut">
               <a:rPr lang="en-US" smtClean="0"/>
-              <a:t>10/9/2020</a:t>
+              <a:t>10/12/2020</a:t>
             </a:fld>
             <a:endParaRPr lang="en-US"/>
           </a:p>
@@ -4487,7 +4492,7 @@
           <a:p>
             <a:fld id="{B5B84825-D442-4355-AC7B-2B3A9BDF5F59}" type="datetimeFigureOut">
               <a:rPr lang="en-US" smtClean="0"/>
-              <a:t>10/9/2020</a:t>
+              <a:t>10/12/2020</a:t>
             </a:fld>
             <a:endParaRPr lang="en-US"/>
           </a:p>
@@ -4582,7 +4587,7 @@
           <a:p>
             <a:fld id="{B5B84825-D442-4355-AC7B-2B3A9BDF5F59}" type="datetimeFigureOut">
               <a:rPr lang="en-US" smtClean="0"/>
-              <a:t>10/9/2020</a:t>
+              <a:t>10/12/2020</a:t>
             </a:fld>
             <a:endParaRPr lang="en-US"/>
           </a:p>
@@ -4861,7 +4866,7 @@
           <a:p>
             <a:fld id="{B5B84825-D442-4355-AC7B-2B3A9BDF5F59}" type="datetimeFigureOut">
               <a:rPr lang="en-US" smtClean="0"/>
-              <a:t>10/9/2020</a:t>
+              <a:t>10/12/2020</a:t>
             </a:fld>
             <a:endParaRPr lang="en-US"/>
           </a:p>
@@ -5136,7 +5141,7 @@
           <a:p>
             <a:fld id="{B5B84825-D442-4355-AC7B-2B3A9BDF5F59}" type="datetimeFigureOut">
               <a:rPr lang="en-US" smtClean="0"/>
-              <a:t>10/9/2020</a:t>
+              <a:t>10/12/2020</a:t>
             </a:fld>
             <a:endParaRPr lang="en-US"/>
           </a:p>
@@ -5565,7 +5570,7 @@
           <a:p>
             <a:fld id="{B5B84825-D442-4355-AC7B-2B3A9BDF5F59}" type="datetimeFigureOut">
               <a:rPr lang="en-US" smtClean="0"/>
-              <a:t>10/9/2020</a:t>
+              <a:t>10/12/2020</a:t>
             </a:fld>
             <a:endParaRPr lang="en-US"/>
           </a:p>
@@ -7355,10 +7360,10 @@
       </p:sp>
       <p:pic>
         <p:nvPicPr>
-          <p:cNvPr id="4" name="Content Placeholder 4">
+          <p:cNvPr id="5" name="Picture 4">
             <a:extLst>
               <a:ext uri="{FF2B5EF4-FFF2-40B4-BE49-F238E27FC236}">
-                <a16:creationId xmlns:a16="http://schemas.microsoft.com/office/drawing/2014/main" id="{CA5F7D2D-3007-4403-B64A-DB632629C665}"/>
+                <a16:creationId xmlns:a16="http://schemas.microsoft.com/office/drawing/2014/main" id="{E581FDF9-40E9-465C-9981-EB8BD0DFC740}"/>
               </a:ext>
             </a:extLst>
           </p:cNvPr>
@@ -7368,21 +7373,15 @@
           <p:nvPr/>
         </p:nvPicPr>
         <p:blipFill>
-          <a:blip r:embed="rId2">
-            <a:extLst>
-              <a:ext uri="{28A0092B-C50C-407E-A947-70E740481C1C}">
-                <a14:useLocalDpi xmlns:a14="http://schemas.microsoft.com/office/drawing/2010/main" val="0"/>
-              </a:ext>
-            </a:extLst>
-          </a:blip>
+          <a:blip r:embed="rId2"/>
           <a:stretch>
             <a:fillRect/>
           </a:stretch>
         </p:blipFill>
         <p:spPr>
           <a:xfrm>
-            <a:off x="646111" y="4702870"/>
-            <a:ext cx="8745610" cy="1597893"/>
+            <a:off x="972137" y="4660961"/>
+            <a:ext cx="10437406" cy="1298807"/>
           </a:xfrm>
           <a:prstGeom prst="rect">
             <a:avLst/>
